--- a/presentations/initial_viz.pptx
+++ b/presentations/initial_viz.pptx
@@ -18,6 +18,9 @@
     <p:sldId id="266" r:id="rId12"/>
     <p:sldId id="261" r:id="rId13"/>
     <p:sldId id="262" r:id="rId14"/>
+    <p:sldId id="270" r:id="rId15"/>
+    <p:sldId id="271" r:id="rId16"/>
+    <p:sldId id="272" r:id="rId17"/>
   </p:sldIdLst>
   <p:sldSz cx="12192000" cy="6858000"/>
   <p:notesSz cx="6858000" cy="9144000"/>
@@ -116,6 +119,11 @@
       </a:defRPr>
     </a:lvl9pPr>
   </p:defaultTextStyle>
+  <p:extLst>
+    <p:ext uri="{EFAFB233-063F-42B5-8137-9DF3F51BA10A}">
+      <p15:sldGuideLst xmlns:p15="http://schemas.microsoft.com/office/powerpoint/2012/main"/>
+    </p:ext>
+  </p:extLst>
 </p:presentation>
 </file>
 
@@ -266,7 +274,7 @@
           <a:p>
             <a:fld id="{19044222-8934-C842-A516-A076F2DCA693}" type="datetimeFigureOut">
               <a:rPr lang="en-US" smtClean="0"/>
-              <a:t>12/5/24</a:t>
+              <a:t>1/7/25</a:t>
             </a:fld>
             <a:endParaRPr lang="en-US"/>
           </a:p>
@@ -464,7 +472,7 @@
           <a:p>
             <a:fld id="{19044222-8934-C842-A516-A076F2DCA693}" type="datetimeFigureOut">
               <a:rPr lang="en-US" smtClean="0"/>
-              <a:t>12/5/24</a:t>
+              <a:t>1/7/25</a:t>
             </a:fld>
             <a:endParaRPr lang="en-US"/>
           </a:p>
@@ -672,7 +680,7 @@
           <a:p>
             <a:fld id="{19044222-8934-C842-A516-A076F2DCA693}" type="datetimeFigureOut">
               <a:rPr lang="en-US" smtClean="0"/>
-              <a:t>12/5/24</a:t>
+              <a:t>1/7/25</a:t>
             </a:fld>
             <a:endParaRPr lang="en-US"/>
           </a:p>
@@ -870,7 +878,7 @@
           <a:p>
             <a:fld id="{19044222-8934-C842-A516-A076F2DCA693}" type="datetimeFigureOut">
               <a:rPr lang="en-US" smtClean="0"/>
-              <a:t>12/5/24</a:t>
+              <a:t>1/7/25</a:t>
             </a:fld>
             <a:endParaRPr lang="en-US"/>
           </a:p>
@@ -1145,7 +1153,7 @@
           <a:p>
             <a:fld id="{19044222-8934-C842-A516-A076F2DCA693}" type="datetimeFigureOut">
               <a:rPr lang="en-US" smtClean="0"/>
-              <a:t>12/5/24</a:t>
+              <a:t>1/7/25</a:t>
             </a:fld>
             <a:endParaRPr lang="en-US"/>
           </a:p>
@@ -1410,7 +1418,7 @@
           <a:p>
             <a:fld id="{19044222-8934-C842-A516-A076F2DCA693}" type="datetimeFigureOut">
               <a:rPr lang="en-US" smtClean="0"/>
-              <a:t>12/5/24</a:t>
+              <a:t>1/7/25</a:t>
             </a:fld>
             <a:endParaRPr lang="en-US"/>
           </a:p>
@@ -1822,7 +1830,7 @@
           <a:p>
             <a:fld id="{19044222-8934-C842-A516-A076F2DCA693}" type="datetimeFigureOut">
               <a:rPr lang="en-US" smtClean="0"/>
-              <a:t>12/5/24</a:t>
+              <a:t>1/7/25</a:t>
             </a:fld>
             <a:endParaRPr lang="en-US"/>
           </a:p>
@@ -1963,7 +1971,7 @@
           <a:p>
             <a:fld id="{19044222-8934-C842-A516-A076F2DCA693}" type="datetimeFigureOut">
               <a:rPr lang="en-US" smtClean="0"/>
-              <a:t>12/5/24</a:t>
+              <a:t>1/7/25</a:t>
             </a:fld>
             <a:endParaRPr lang="en-US"/>
           </a:p>
@@ -2076,7 +2084,7 @@
           <a:p>
             <a:fld id="{19044222-8934-C842-A516-A076F2DCA693}" type="datetimeFigureOut">
               <a:rPr lang="en-US" smtClean="0"/>
-              <a:t>12/5/24</a:t>
+              <a:t>1/7/25</a:t>
             </a:fld>
             <a:endParaRPr lang="en-US"/>
           </a:p>
@@ -2387,7 +2395,7 @@
           <a:p>
             <a:fld id="{19044222-8934-C842-A516-A076F2DCA693}" type="datetimeFigureOut">
               <a:rPr lang="en-US" smtClean="0"/>
-              <a:t>12/5/24</a:t>
+              <a:t>1/7/25</a:t>
             </a:fld>
             <a:endParaRPr lang="en-US"/>
           </a:p>
@@ -2675,7 +2683,7 @@
           <a:p>
             <a:fld id="{19044222-8934-C842-A516-A076F2DCA693}" type="datetimeFigureOut">
               <a:rPr lang="en-US" smtClean="0"/>
-              <a:t>12/5/24</a:t>
+              <a:t>1/7/25</a:t>
             </a:fld>
             <a:endParaRPr lang="en-US"/>
           </a:p>
@@ -2916,7 +2924,7 @@
           <a:p>
             <a:fld id="{19044222-8934-C842-A516-A076F2DCA693}" type="datetimeFigureOut">
               <a:rPr lang="en-US" smtClean="0"/>
-              <a:t>12/5/24</a:t>
+              <a:t>1/7/25</a:t>
             </a:fld>
             <a:endParaRPr lang="en-US"/>
           </a:p>
@@ -3768,6 +3776,419 @@
     <p:extLst>
       <p:ext uri="{BB962C8B-B14F-4D97-AF65-F5344CB8AC3E}">
         <p14:creationId xmlns:p14="http://schemas.microsoft.com/office/powerpoint/2010/main" val="149167102"/>
+      </p:ext>
+    </p:extLst>
+  </p:cSld>
+  <p:clrMapOvr>
+    <a:masterClrMapping/>
+  </p:clrMapOvr>
+</p:sld>
+</file>
+
+<file path=ppt/slides/slide14.xml><?xml version="1.0" encoding="utf-8"?>
+<p:sld xmlns:a="http://schemas.openxmlformats.org/drawingml/2006/main" xmlns:r="http://schemas.openxmlformats.org/officeDocument/2006/relationships" xmlns:p="http://schemas.openxmlformats.org/presentationml/2006/main">
+  <p:cSld>
+    <p:spTree>
+      <p:nvGrpSpPr>
+        <p:cNvPr id="1" name=""/>
+        <p:cNvGrpSpPr/>
+        <p:nvPr/>
+      </p:nvGrpSpPr>
+      <p:grpSpPr>
+        <a:xfrm>
+          <a:off x="0" y="0"/>
+          <a:ext cx="0" cy="0"/>
+          <a:chOff x="0" y="0"/>
+          <a:chExt cx="0" cy="0"/>
+        </a:xfrm>
+      </p:grpSpPr>
+      <p:sp>
+        <p:nvSpPr>
+          <p:cNvPr id="2" name="Title 1">
+            <a:extLst>
+              <a:ext uri="{FF2B5EF4-FFF2-40B4-BE49-F238E27FC236}">
+                <a16:creationId xmlns:a16="http://schemas.microsoft.com/office/drawing/2014/main" id="{8A3ACB34-4205-AEB8-6CE3-3094DE01EAC9}"/>
+              </a:ext>
+            </a:extLst>
+          </p:cNvPr>
+          <p:cNvSpPr>
+            <a:spLocks noGrp="1"/>
+          </p:cNvSpPr>
+          <p:nvPr>
+            <p:ph type="title"/>
+          </p:nvPr>
+        </p:nvSpPr>
+        <p:spPr/>
+        <p:txBody>
+          <a:bodyPr/>
+          <a:lstStyle/>
+          <a:p>
+            <a:r>
+              <a:rPr lang="en-US" dirty="0"/>
+              <a:t>Combination model, HC, </a:t>
+            </a:r>
+            <a:r>
+              <a:rPr lang="en-US" dirty="0" err="1"/>
+              <a:t>nopca</a:t>
+            </a:r>
+            <a:r>
+              <a:rPr lang="en-US" dirty="0"/>
+              <a:t> ridge</a:t>
+            </a:r>
+          </a:p>
+        </p:txBody>
+      </p:sp>
+      <p:pic>
+        <p:nvPicPr>
+          <p:cNvPr id="6" name="Content Placeholder 5" descr="A screenshot of a graph&#10;&#10;Description automatically generated">
+            <a:extLst>
+              <a:ext uri="{FF2B5EF4-FFF2-40B4-BE49-F238E27FC236}">
+                <a16:creationId xmlns:a16="http://schemas.microsoft.com/office/drawing/2014/main" id="{59AA7634-1B74-3178-4347-763735C86B6F}"/>
+              </a:ext>
+            </a:extLst>
+          </p:cNvPr>
+          <p:cNvPicPr>
+            <a:picLocks noGrp="1" noChangeAspect="1"/>
+          </p:cNvPicPr>
+          <p:nvPr>
+            <p:ph idx="1"/>
+          </p:nvPr>
+        </p:nvPicPr>
+        <p:blipFill>
+          <a:blip r:embed="rId2"/>
+          <a:stretch>
+            <a:fillRect/>
+          </a:stretch>
+        </p:blipFill>
+        <p:spPr>
+          <a:xfrm>
+            <a:off x="104903" y="1388896"/>
+            <a:ext cx="8078934" cy="4351338"/>
+          </a:xfrm>
+        </p:spPr>
+      </p:pic>
+      <p:pic>
+        <p:nvPicPr>
+          <p:cNvPr id="4" name="Picture 3">
+            <a:extLst>
+              <a:ext uri="{FF2B5EF4-FFF2-40B4-BE49-F238E27FC236}">
+                <a16:creationId xmlns:a16="http://schemas.microsoft.com/office/drawing/2014/main" id="{FD89A261-E1C4-57B2-4D66-E396AFB2CD1B}"/>
+              </a:ext>
+            </a:extLst>
+          </p:cNvPr>
+          <p:cNvPicPr>
+            <a:picLocks noChangeAspect="1"/>
+          </p:cNvPicPr>
+          <p:nvPr/>
+        </p:nvPicPr>
+        <p:blipFill>
+          <a:blip r:embed="rId3"/>
+          <a:stretch>
+            <a:fillRect/>
+          </a:stretch>
+        </p:blipFill>
+        <p:spPr>
+          <a:xfrm>
+            <a:off x="7274643" y="5090615"/>
+            <a:ext cx="4812454" cy="1716206"/>
+          </a:xfrm>
+          <a:prstGeom prst="rect">
+            <a:avLst/>
+          </a:prstGeom>
+        </p:spPr>
+      </p:pic>
+    </p:spTree>
+    <p:extLst>
+      <p:ext uri="{BB962C8B-B14F-4D97-AF65-F5344CB8AC3E}">
+        <p14:creationId xmlns:p14="http://schemas.microsoft.com/office/powerpoint/2010/main" val="1241959097"/>
+      </p:ext>
+    </p:extLst>
+  </p:cSld>
+  <p:clrMapOvr>
+    <a:masterClrMapping/>
+  </p:clrMapOvr>
+</p:sld>
+</file>
+
+<file path=ppt/slides/slide15.xml><?xml version="1.0" encoding="utf-8"?>
+<p:sld xmlns:a="http://schemas.openxmlformats.org/drawingml/2006/main" xmlns:r="http://schemas.openxmlformats.org/officeDocument/2006/relationships" xmlns:p="http://schemas.openxmlformats.org/presentationml/2006/main">
+  <p:cSld>
+    <p:spTree>
+      <p:nvGrpSpPr>
+        <p:cNvPr id="1" name=""/>
+        <p:cNvGrpSpPr/>
+        <p:nvPr/>
+      </p:nvGrpSpPr>
+      <p:grpSpPr>
+        <a:xfrm>
+          <a:off x="0" y="0"/>
+          <a:ext cx="0" cy="0"/>
+          <a:chOff x="0" y="0"/>
+          <a:chExt cx="0" cy="0"/>
+        </a:xfrm>
+      </p:grpSpPr>
+      <p:sp>
+        <p:nvSpPr>
+          <p:cNvPr id="2" name="Title 1">
+            <a:extLst>
+              <a:ext uri="{FF2B5EF4-FFF2-40B4-BE49-F238E27FC236}">
+                <a16:creationId xmlns:a16="http://schemas.microsoft.com/office/drawing/2014/main" id="{8F801B74-70B0-C6E1-FB22-54321FD7437E}"/>
+              </a:ext>
+            </a:extLst>
+          </p:cNvPr>
+          <p:cNvSpPr>
+            <a:spLocks noGrp="1"/>
+          </p:cNvSpPr>
+          <p:nvPr>
+            <p:ph type="title"/>
+          </p:nvPr>
+        </p:nvSpPr>
+        <p:spPr/>
+        <p:txBody>
+          <a:bodyPr/>
+          <a:lstStyle/>
+          <a:p>
+            <a:r>
+              <a:rPr lang="en-US" dirty="0"/>
+              <a:t>Combination model, HC, </a:t>
+            </a:r>
+            <a:r>
+              <a:rPr lang="en-US" dirty="0" err="1"/>
+              <a:t>nopca</a:t>
+            </a:r>
+            <a:r>
+              <a:rPr lang="en-US" dirty="0"/>
+              <a:t> ridge</a:t>
+            </a:r>
+          </a:p>
+        </p:txBody>
+      </p:sp>
+      <p:pic>
+        <p:nvPicPr>
+          <p:cNvPr id="6" name="Content Placeholder 5" descr="A screenshot of a graph&#10;&#10;Description automatically generated">
+            <a:extLst>
+              <a:ext uri="{FF2B5EF4-FFF2-40B4-BE49-F238E27FC236}">
+                <a16:creationId xmlns:a16="http://schemas.microsoft.com/office/drawing/2014/main" id="{8ADC6470-99DB-FCD4-1CD8-F1B6D9450DF2}"/>
+              </a:ext>
+            </a:extLst>
+          </p:cNvPr>
+          <p:cNvPicPr>
+            <a:picLocks noGrp="1" noChangeAspect="1"/>
+          </p:cNvPicPr>
+          <p:nvPr>
+            <p:ph idx="1"/>
+          </p:nvPr>
+        </p:nvPicPr>
+        <p:blipFill>
+          <a:blip r:embed="rId2"/>
+          <a:stretch>
+            <a:fillRect/>
+          </a:stretch>
+        </p:blipFill>
+        <p:spPr>
+          <a:xfrm>
+            <a:off x="0" y="1447350"/>
+            <a:ext cx="8078934" cy="4351338"/>
+          </a:xfrm>
+        </p:spPr>
+      </p:pic>
+      <p:pic>
+        <p:nvPicPr>
+          <p:cNvPr id="4" name="Picture 3">
+            <a:extLst>
+              <a:ext uri="{FF2B5EF4-FFF2-40B4-BE49-F238E27FC236}">
+                <a16:creationId xmlns:a16="http://schemas.microsoft.com/office/drawing/2014/main" id="{5C44AA26-987D-B2B1-AA42-8F225FA15A95}"/>
+              </a:ext>
+            </a:extLst>
+          </p:cNvPr>
+          <p:cNvPicPr>
+            <a:picLocks noChangeAspect="1"/>
+          </p:cNvPicPr>
+          <p:nvPr/>
+        </p:nvPicPr>
+        <p:blipFill>
+          <a:blip r:embed="rId3"/>
+          <a:stretch>
+            <a:fillRect/>
+          </a:stretch>
+        </p:blipFill>
+        <p:spPr>
+          <a:xfrm>
+            <a:off x="7161480" y="5062542"/>
+            <a:ext cx="5030520" cy="1818371"/>
+          </a:xfrm>
+          <a:prstGeom prst="rect">
+            <a:avLst/>
+          </a:prstGeom>
+        </p:spPr>
+      </p:pic>
+    </p:spTree>
+    <p:extLst>
+      <p:ext uri="{BB962C8B-B14F-4D97-AF65-F5344CB8AC3E}">
+        <p14:creationId xmlns:p14="http://schemas.microsoft.com/office/powerpoint/2010/main" val="4134964519"/>
+      </p:ext>
+    </p:extLst>
+  </p:cSld>
+  <p:clrMapOvr>
+    <a:masterClrMapping/>
+  </p:clrMapOvr>
+</p:sld>
+</file>
+
+<file path=ppt/slides/slide16.xml><?xml version="1.0" encoding="utf-8"?>
+<p:sld xmlns:a="http://schemas.openxmlformats.org/drawingml/2006/main" xmlns:r="http://schemas.openxmlformats.org/officeDocument/2006/relationships" xmlns:p="http://schemas.openxmlformats.org/presentationml/2006/main">
+  <p:cSld>
+    <p:spTree>
+      <p:nvGrpSpPr>
+        <p:cNvPr id="1" name=""/>
+        <p:cNvGrpSpPr/>
+        <p:nvPr/>
+      </p:nvGrpSpPr>
+      <p:grpSpPr>
+        <a:xfrm>
+          <a:off x="0" y="0"/>
+          <a:ext cx="0" cy="0"/>
+          <a:chOff x="0" y="0"/>
+          <a:chExt cx="0" cy="0"/>
+        </a:xfrm>
+      </p:grpSpPr>
+      <p:sp>
+        <p:nvSpPr>
+          <p:cNvPr id="2" name="Title 1">
+            <a:extLst>
+              <a:ext uri="{FF2B5EF4-FFF2-40B4-BE49-F238E27FC236}">
+                <a16:creationId xmlns:a16="http://schemas.microsoft.com/office/drawing/2014/main" id="{45E52822-85CB-3FFE-B2C6-4B3E47F4BD34}"/>
+              </a:ext>
+            </a:extLst>
+          </p:cNvPr>
+          <p:cNvSpPr>
+            <a:spLocks noGrp="1"/>
+          </p:cNvSpPr>
+          <p:nvPr>
+            <p:ph type="title"/>
+          </p:nvPr>
+        </p:nvSpPr>
+        <p:spPr/>
+        <p:txBody>
+          <a:bodyPr/>
+          <a:lstStyle/>
+          <a:p>
+            <a:r>
+              <a:rPr lang="en-US" dirty="0"/>
+              <a:t>TODO</a:t>
+            </a:r>
+          </a:p>
+        </p:txBody>
+      </p:sp>
+      <p:sp>
+        <p:nvSpPr>
+          <p:cNvPr id="3" name="Content Placeholder 2">
+            <a:extLst>
+              <a:ext uri="{FF2B5EF4-FFF2-40B4-BE49-F238E27FC236}">
+                <a16:creationId xmlns:a16="http://schemas.microsoft.com/office/drawing/2014/main" id="{781C751C-F189-E041-B132-567C89EA59BF}"/>
+              </a:ext>
+            </a:extLst>
+          </p:cNvPr>
+          <p:cNvSpPr>
+            <a:spLocks noGrp="1"/>
+          </p:cNvSpPr>
+          <p:nvPr>
+            <p:ph idx="1"/>
+          </p:nvPr>
+        </p:nvSpPr>
+        <p:spPr/>
+        <p:txBody>
+          <a:bodyPr/>
+          <a:lstStyle/>
+          <a:p>
+            <a:r>
+              <a:rPr lang="en-US" dirty="0" err="1"/>
+              <a:t>Prosmith</a:t>
+            </a:r>
+            <a:r>
+              <a:rPr lang="en-US" dirty="0"/>
+              <a:t> </a:t>
+            </a:r>
+            <a:r>
+              <a:rPr lang="en-US" dirty="0" err="1"/>
+              <a:t>davis</a:t>
+            </a:r>
+            <a:r>
+              <a:rPr lang="en-US" dirty="0"/>
+              <a:t> -&gt; test on HC ✅ (need to make a viz of it)</a:t>
+            </a:r>
+          </a:p>
+          <a:p>
+            <a:r>
+              <a:rPr lang="en-US" dirty="0" err="1"/>
+              <a:t>Prosmith</a:t>
+            </a:r>
+            <a:r>
+              <a:rPr lang="en-US" dirty="0"/>
+              <a:t> </a:t>
+            </a:r>
+            <a:r>
+              <a:rPr lang="en-US" dirty="0" err="1"/>
+              <a:t>davis</a:t>
+            </a:r>
+            <a:r>
+              <a:rPr lang="en-US" dirty="0"/>
+              <a:t> -&gt; test </a:t>
+            </a:r>
+            <a:r>
+              <a:rPr lang="en-US" dirty="0" err="1"/>
+              <a:t>carey</a:t>
+            </a:r>
+            <a:r>
+              <a:rPr lang="en-US" dirty="0"/>
+              <a:t> &amp; Carlson</a:t>
+            </a:r>
+          </a:p>
+          <a:p>
+            <a:r>
+              <a:rPr lang="en-US" dirty="0" err="1"/>
+              <a:t>Prosmith</a:t>
+            </a:r>
+            <a:r>
+              <a:rPr lang="en-US" dirty="0"/>
+              <a:t> HC -&gt; test itself</a:t>
+            </a:r>
+          </a:p>
+          <a:p>
+            <a:r>
+              <a:rPr lang="en-US" dirty="0" err="1"/>
+              <a:t>Prosmith</a:t>
+            </a:r>
+            <a:r>
+              <a:rPr lang="en-US" dirty="0"/>
+              <a:t> HC -&gt; test </a:t>
+            </a:r>
+            <a:r>
+              <a:rPr lang="en-US" dirty="0" err="1"/>
+              <a:t>carey</a:t>
+            </a:r>
+            <a:endParaRPr lang="en-US" dirty="0"/>
+          </a:p>
+          <a:p>
+            <a:endParaRPr lang="en-US" dirty="0"/>
+          </a:p>
+          <a:p>
+            <a:r>
+              <a:rPr lang="en-US" dirty="0"/>
+              <a:t>Check positive </a:t>
+            </a:r>
+            <a:r>
+              <a:rPr lang="en-US"/>
+              <a:t>and negative and pattern</a:t>
+            </a:r>
+            <a:endParaRPr lang="en-US" dirty="0"/>
+          </a:p>
+        </p:txBody>
+      </p:sp>
+    </p:spTree>
+    <p:extLst>
+      <p:ext uri="{BB962C8B-B14F-4D97-AF65-F5344CB8AC3E}">
+        <p14:creationId xmlns:p14="http://schemas.microsoft.com/office/powerpoint/2010/main" val="1920541928"/>
       </p:ext>
     </p:extLst>
   </p:cSld>

--- a/presentations/initial_viz.pptx
+++ b/presentations/initial_viz.pptx
@@ -4175,13 +4175,8 @@
           <a:p>
             <a:r>
               <a:rPr lang="en-US" dirty="0"/>
-              <a:t>Check positive </a:t>
-            </a:r>
-            <a:r>
-              <a:rPr lang="en-US"/>
-              <a:t>and negative and pattern</a:t>
-            </a:r>
-            <a:endParaRPr lang="en-US" dirty="0"/>
+              <a:t>Check positive and negative and pattern</a:t>
+            </a:r>
           </a:p>
         </p:txBody>
       </p:sp>

--- a/presentations/initial_viz.pptx
+++ b/presentations/initial_viz.pptx
@@ -274,7 +274,7 @@
           <a:p>
             <a:fld id="{19044222-8934-C842-A516-A076F2DCA693}" type="datetimeFigureOut">
               <a:rPr lang="en-US" smtClean="0"/>
-              <a:t>1/7/25</a:t>
+              <a:t>1/29/25</a:t>
             </a:fld>
             <a:endParaRPr lang="en-US"/>
           </a:p>
@@ -472,7 +472,7 @@
           <a:p>
             <a:fld id="{19044222-8934-C842-A516-A076F2DCA693}" type="datetimeFigureOut">
               <a:rPr lang="en-US" smtClean="0"/>
-              <a:t>1/7/25</a:t>
+              <a:t>1/29/25</a:t>
             </a:fld>
             <a:endParaRPr lang="en-US"/>
           </a:p>
@@ -680,7 +680,7 @@
           <a:p>
             <a:fld id="{19044222-8934-C842-A516-A076F2DCA693}" type="datetimeFigureOut">
               <a:rPr lang="en-US" smtClean="0"/>
-              <a:t>1/7/25</a:t>
+              <a:t>1/29/25</a:t>
             </a:fld>
             <a:endParaRPr lang="en-US"/>
           </a:p>
@@ -878,7 +878,7 @@
           <a:p>
             <a:fld id="{19044222-8934-C842-A516-A076F2DCA693}" type="datetimeFigureOut">
               <a:rPr lang="en-US" smtClean="0"/>
-              <a:t>1/7/25</a:t>
+              <a:t>1/29/25</a:t>
             </a:fld>
             <a:endParaRPr lang="en-US"/>
           </a:p>
@@ -1153,7 +1153,7 @@
           <a:p>
             <a:fld id="{19044222-8934-C842-A516-A076F2DCA693}" type="datetimeFigureOut">
               <a:rPr lang="en-US" smtClean="0"/>
-              <a:t>1/7/25</a:t>
+              <a:t>1/29/25</a:t>
             </a:fld>
             <a:endParaRPr lang="en-US"/>
           </a:p>
@@ -1418,7 +1418,7 @@
           <a:p>
             <a:fld id="{19044222-8934-C842-A516-A076F2DCA693}" type="datetimeFigureOut">
               <a:rPr lang="en-US" smtClean="0"/>
-              <a:t>1/7/25</a:t>
+              <a:t>1/29/25</a:t>
             </a:fld>
             <a:endParaRPr lang="en-US"/>
           </a:p>
@@ -1830,7 +1830,7 @@
           <a:p>
             <a:fld id="{19044222-8934-C842-A516-A076F2DCA693}" type="datetimeFigureOut">
               <a:rPr lang="en-US" smtClean="0"/>
-              <a:t>1/7/25</a:t>
+              <a:t>1/29/25</a:t>
             </a:fld>
             <a:endParaRPr lang="en-US"/>
           </a:p>
@@ -1971,7 +1971,7 @@
           <a:p>
             <a:fld id="{19044222-8934-C842-A516-A076F2DCA693}" type="datetimeFigureOut">
               <a:rPr lang="en-US" smtClean="0"/>
-              <a:t>1/7/25</a:t>
+              <a:t>1/29/25</a:t>
             </a:fld>
             <a:endParaRPr lang="en-US"/>
           </a:p>
@@ -2084,7 +2084,7 @@
           <a:p>
             <a:fld id="{19044222-8934-C842-A516-A076F2DCA693}" type="datetimeFigureOut">
               <a:rPr lang="en-US" smtClean="0"/>
-              <a:t>1/7/25</a:t>
+              <a:t>1/29/25</a:t>
             </a:fld>
             <a:endParaRPr lang="en-US"/>
           </a:p>
@@ -2395,7 +2395,7 @@
           <a:p>
             <a:fld id="{19044222-8934-C842-A516-A076F2DCA693}" type="datetimeFigureOut">
               <a:rPr lang="en-US" smtClean="0"/>
-              <a:t>1/7/25</a:t>
+              <a:t>1/29/25</a:t>
             </a:fld>
             <a:endParaRPr lang="en-US"/>
           </a:p>
@@ -2683,7 +2683,7 @@
           <a:p>
             <a:fld id="{19044222-8934-C842-A516-A076F2DCA693}" type="datetimeFigureOut">
               <a:rPr lang="en-US" smtClean="0"/>
-              <a:t>1/7/25</a:t>
+              <a:t>1/29/25</a:t>
             </a:fld>
             <a:endParaRPr lang="en-US"/>
           </a:p>
@@ -2924,7 +2924,7 @@
           <a:p>
             <a:fld id="{19044222-8934-C842-A516-A076F2DCA693}" type="datetimeFigureOut">
               <a:rPr lang="en-US" smtClean="0"/>
-              <a:t>1/7/25</a:t>
+              <a:t>1/29/25</a:t>
             </a:fld>
             <a:endParaRPr lang="en-US"/>
           </a:p>
@@ -4111,7 +4111,7 @@
             </a:r>
             <a:r>
               <a:rPr lang="en-US" dirty="0" err="1"/>
-              <a:t>davis</a:t>
+              <a:t>bindingDB</a:t>
             </a:r>
             <a:r>
               <a:rPr lang="en-US" dirty="0"/>
@@ -4129,7 +4129,7 @@
             </a:r>
             <a:r>
               <a:rPr lang="en-US" dirty="0" err="1"/>
-              <a:t>davis</a:t>
+              <a:t>bindingDB</a:t>
             </a:r>
             <a:r>
               <a:rPr lang="en-US" dirty="0"/>
@@ -4145,31 +4145,9 @@
             </a:r>
           </a:p>
           <a:p>
-            <a:r>
-              <a:rPr lang="en-US" dirty="0" err="1"/>
-              <a:t>Prosmith</a:t>
-            </a:r>
-            <a:r>
-              <a:rPr lang="en-US" dirty="0"/>
-              <a:t> HC -&gt; test itself</a:t>
-            </a:r>
-          </a:p>
-          <a:p>
-            <a:r>
-              <a:rPr lang="en-US" dirty="0" err="1"/>
-              <a:t>Prosmith</a:t>
-            </a:r>
-            <a:r>
-              <a:rPr lang="en-US" dirty="0"/>
-              <a:t> HC -&gt; test </a:t>
-            </a:r>
-            <a:r>
-              <a:rPr lang="en-US" dirty="0" err="1"/>
-              <a:t>carey</a:t>
-            </a:r>
-            <a:endParaRPr lang="en-US" dirty="0"/>
-          </a:p>
-          <a:p>
+            <a:pPr marL="0" indent="0">
+              <a:buNone/>
+            </a:pPr>
             <a:endParaRPr lang="en-US" dirty="0"/>
           </a:p>
           <a:p>
